--- a/Data Science Tsach and Dvir .pptx
+++ b/Data Science Tsach and Dvir .pptx
@@ -17127,7 +17127,7 @@
             </a:pPr>
             <a:r>
               <a:rPr lang="en-US" dirty="0"/>
-              <a:t>Can we predict which movie will succeed according to the certain Properties? (Actors, directors, Length of movie etc..)</a:t>
+              <a:t>Can we predict which movie will succeed according to the certain properties? (Actors, directors, Length of movie etc..)</a:t>
             </a:r>
           </a:p>
           <a:p>

--- a/Data Science Tsach and Dvir .pptx
+++ b/Data Science Tsach and Dvir .pptx
@@ -15461,25 +15461,7 @@
                 </a:solidFill>
                 <a:latin typeface="Maven Pro" panose="020B0604020202020204" charset="0"/>
               </a:rPr>
-              <a:t>Using the `</a:t>
-            </a:r>
-            <a:r>
-              <a:rPr lang="en-US" sz="1200" dirty="0" err="1">
-                <a:solidFill>
-                  <a:schemeClr val="bg1"/>
-                </a:solidFill>
-                <a:latin typeface="Maven Pro" panose="020B0604020202020204" charset="0"/>
-              </a:rPr>
-              <a:t>sklearn</a:t>
-            </a:r>
-            <a:r>
-              <a:rPr lang="en-US" sz="1200" dirty="0">
-                <a:solidFill>
-                  <a:schemeClr val="bg1"/>
-                </a:solidFill>
-                <a:latin typeface="Maven Pro" panose="020B0604020202020204" charset="0"/>
-              </a:rPr>
-              <a:t>` library and linear regression we were able</a:t>
+              <a:t>Using the ‘sklearn’ library and linear regression we were able</a:t>
             </a:r>
           </a:p>
           <a:p>
@@ -15529,6 +15511,36 @@
           </a:p>
         </p:txBody>
       </p:sp>
+      <p:pic>
+        <p:nvPicPr>
+          <p:cNvPr id="5" name="תמונה 4">
+            <a:extLst>
+              <a:ext uri="{FF2B5EF4-FFF2-40B4-BE49-F238E27FC236}">
+                <a16:creationId xmlns:a16="http://schemas.microsoft.com/office/drawing/2014/main" id="{EDFEC0EB-C399-4571-ADCB-4985B63667B2}"/>
+              </a:ext>
+            </a:extLst>
+          </p:cNvPr>
+          <p:cNvPicPr>
+            <a:picLocks noChangeAspect="1"/>
+          </p:cNvPicPr>
+          <p:nvPr/>
+        </p:nvPicPr>
+        <p:blipFill>
+          <a:blip r:embed="rId3"/>
+          <a:stretch>
+            <a:fillRect/>
+          </a:stretch>
+        </p:blipFill>
+        <p:spPr>
+          <a:xfrm>
+            <a:off x="5558179" y="3241942"/>
+            <a:ext cx="3334030" cy="1749158"/>
+          </a:xfrm>
+          <a:prstGeom prst="rect">
+            <a:avLst/>
+          </a:prstGeom>
+        </p:spPr>
+      </p:pic>
     </p:spTree>
     <p:extLst>
       <p:ext uri="{BB962C8B-B14F-4D97-AF65-F5344CB8AC3E}">
@@ -16598,7 +16610,7 @@
         <p:spPr>
           <a:xfrm>
             <a:off x="447089" y="1382435"/>
-            <a:ext cx="7924799" cy="738664"/>
+            <a:ext cx="7924799" cy="954107"/>
           </a:xfrm>
           <a:prstGeom prst="rect">
             <a:avLst/>
@@ -16619,8 +16631,17 @@
                 </a:solidFill>
                 <a:latin typeface="Maven Pro" panose="020B0604020202020204" charset="0"/>
               </a:rPr>
-              <a:t>According to the success rates of the prediction,</a:t>
+              <a:t>The closer the prediction value is to 1, the more accurate the prediction. We have reached a predict value of 0.874, which is very close and therefore confirms the research question.</a:t>
             </a:r>
+          </a:p>
+          <a:p>
+            <a:pPr algn="ctr" rtl="0"/>
+            <a:endParaRPr lang="en-US" dirty="0">
+              <a:solidFill>
+                <a:schemeClr val="bg1"/>
+              </a:solidFill>
+              <a:latin typeface="Maven Pro" panose="020B0604020202020204" charset="0"/>
+            </a:endParaRPr>
           </a:p>
           <a:p>
             <a:pPr algn="ctr" rtl="0"/>
@@ -16631,20 +16652,23 @@
                 </a:solidFill>
                 <a:latin typeface="Maven Pro" panose="020B0604020202020204" charset="0"/>
               </a:rPr>
-              <a:t> it is possible to see and even predict whether a film</a:t>
+              <a:t>Therefore there is a connection between the film crew and the rating</a:t>
             </a:r>
-          </a:p>
-          <a:p>
-            <a:pPr algn="ctr" rtl="0"/>
             <a:r>
-              <a:rPr lang="en-US" dirty="0">
+              <a:rPr lang="he-IL" dirty="0">
                 <a:solidFill>
                   <a:schemeClr val="bg1"/>
                 </a:solidFill>
                 <a:latin typeface="Maven Pro" panose="020B0604020202020204" charset="0"/>
               </a:rPr>
-              <a:t> will succeed according to the quality of the cast.</a:t>
+              <a:t>!</a:t>
             </a:r>
+            <a:endParaRPr lang="en-US" dirty="0">
+              <a:solidFill>
+                <a:schemeClr val="bg1"/>
+              </a:solidFill>
+              <a:latin typeface="Maven Pro" panose="020B0604020202020204" charset="0"/>
+            </a:endParaRPr>
           </a:p>
         </p:txBody>
       </p:sp>
